--- a/data/template/format_model-analysis_yeomine.pptx
+++ b/data/template/format_model-analysis_yeomine.pptx
@@ -4989,7 +4989,7 @@
         <p:spPr>
           <a:xfrm>
             <a:off x="4774001" y="4779009"/>
-            <a:ext cx="8844499" cy="728982"/>
+            <a:ext cx="9399199" cy="728982"/>
           </a:xfrm>
           <a:prstGeom prst="rect">
             <a:avLst/>
